--- a/PowerPoints/13 - Subprograms.pptx
+++ b/PowerPoints/13 - Subprograms.pptx
@@ -8288,48 +8288,21 @@
                 <a:latin typeface="Consolas" pitchFamily="49" charset="0"/>
                 <a:cs typeface="Consolas" pitchFamily="49" charset="0"/>
               </a:rPr>
-              <a:t>public void add(Token </a:t>
+              <a:t>public void add(Declaration </a:t>
             </a:r>
             <a:r>
               <a:rPr lang="en-US" sz="1800" dirty="0" err="1">
                 <a:latin typeface="Consolas" pitchFamily="49" charset="0"/>
                 <a:cs typeface="Consolas" pitchFamily="49" charset="0"/>
               </a:rPr>
-              <a:t>idToken</a:t>
+              <a:t>decl</a:t>
             </a:r>
             <a:r>
               <a:rPr lang="en-US" sz="1800" dirty="0">
                 <a:latin typeface="Consolas" pitchFamily="49" charset="0"/>
                 <a:cs typeface="Consolas" pitchFamily="49" charset="0"/>
               </a:rPr>
-              <a:t>, Declaration </a:t>
-            </a:r>
-            <a:r>
-              <a:rPr lang="en-US" sz="1800" dirty="0" err="1">
-                <a:latin typeface="Consolas" pitchFamily="49" charset="0"/>
-                <a:cs typeface="Consolas" pitchFamily="49" charset="0"/>
-              </a:rPr>
-              <a:t>decl</a:t>
-            </a:r>
-            <a:r>
-              <a:rPr lang="en-US" sz="1800" dirty="0">
-                <a:latin typeface="Consolas" pitchFamily="49" charset="0"/>
-                <a:cs typeface="Consolas" pitchFamily="49" charset="0"/>
-              </a:rPr>
-              <a:t>)</a:t>
-            </a:r>
-            <a:br>
-              <a:rPr lang="en-US" sz="1800" dirty="0">
-                <a:latin typeface="Consolas" pitchFamily="49" charset="0"/>
-                <a:cs typeface="Consolas" pitchFamily="49" charset="0"/>
-              </a:rPr>
-            </a:br>
-            <a:r>
-              <a:rPr lang="en-US" sz="1800" dirty="0">
-                <a:latin typeface="Consolas" pitchFamily="49" charset="0"/>
-                <a:cs typeface="Consolas" pitchFamily="49" charset="0"/>
-              </a:rPr>
-              <a:t>    throws </a:t>
+              <a:t>) throws </a:t>
             </a:r>
             <a:r>
               <a:rPr lang="en-US" sz="1800" dirty="0" err="1">
@@ -8619,7 +8592,7 @@
             </a:pPr>
             <a:r>
               <a:rPr lang="en-US" dirty="0"/>
-              <a:t>(arrays are always passed by reference)</a:t>
+              <a:t>(but recall that arrays are always passed by reference)</a:t>
             </a:r>
           </a:p>
           <a:p>
@@ -10286,8 +10259,8 @@
         </p:nvSpPr>
         <p:spPr>
           <a:xfrm>
-            <a:off x="1189504" y="4953000"/>
-            <a:ext cx="6764993" cy="769441"/>
+            <a:off x="1234440" y="4953000"/>
+            <a:ext cx="6675120" cy="769441"/>
           </a:xfrm>
           <a:prstGeom prst="rect">
             <a:avLst/>
@@ -10315,7 +10288,7 @@
             <a:pPr algn="l"/>
             <a:r>
               <a:rPr lang="en-US" sz="2200" dirty="0"/>
-              <a:t> (activation record) is currently on the run-time stack.</a:t>
+              <a:t>(activation record) is currently on the run-time stack.</a:t>
             </a:r>
           </a:p>
         </p:txBody>
@@ -10824,7 +10797,7 @@
             </a:r>
             <a:r>
               <a:rPr lang="en-US" dirty="0"/>
-              <a:t>) parameter, a procedure call must emit code to leave the address of the actual parameter on the top of the stack. The actual parameter must be a variable, not an expression.</a:t>
+              <a:t>) parameter, a procedure call must emit code to leave the address of the actual parameter on the top of the stack. The actual parameter must be a variable, not an arbitrary expression.</a:t>
             </a:r>
             <a:endParaRPr lang="en-US" dirty="0">
               <a:latin typeface="Consolas" pitchFamily="49" charset="0"/>
@@ -11035,7 +11008,7 @@
             </a:r>
             <a:r>
               <a:rPr lang="en-US" dirty="0"/>
-              <a:t>) immediately before the call instruction is executed</a:t>
+              <a:t>) after the call instruction has been “fetched” but before it has been executed</a:t>
             </a:r>
           </a:p>
         </p:txBody>
@@ -13332,27 +13305,28 @@
           <a:bodyPr/>
           <a:lstStyle/>
           <a:p>
-            <a:pPr>
+            <a:pPr marL="182880" indent="0">
               <a:spcBef>
                 <a:spcPts val="1200"/>
               </a:spcBef>
+              <a:buNone/>
             </a:pPr>
             <a:r>
-              <a:rPr lang="en-US" sz="1850" dirty="0">
+              <a:rPr lang="en-US" sz="1900" dirty="0">
                 <a:latin typeface="Consolas" pitchFamily="49" charset="0"/>
                 <a:cs typeface="Consolas" pitchFamily="49" charset="0"/>
               </a:rPr>
               <a:t>private List&lt;SubprogramDecl&gt; </a:t>
             </a:r>
             <a:r>
-              <a:rPr lang="en-US" sz="1850" dirty="0" err="1">
+              <a:rPr lang="en-US" sz="1900" dirty="0" err="1">
                 <a:latin typeface="Consolas" pitchFamily="49" charset="0"/>
                 <a:cs typeface="Consolas" pitchFamily="49" charset="0"/>
               </a:rPr>
               <a:t>parseSubprogramDecls</a:t>
             </a:r>
             <a:r>
-              <a:rPr lang="en-US" sz="1850" dirty="0">
+              <a:rPr lang="en-US" sz="1900" dirty="0">
                 <a:latin typeface="Consolas" pitchFamily="49" charset="0"/>
                 <a:cs typeface="Consolas" pitchFamily="49" charset="0"/>
               </a:rPr>
@@ -13360,27 +13334,28 @@
             </a:r>
           </a:p>
           <a:p>
-            <a:pPr>
+            <a:pPr marL="182880" indent="0">
               <a:spcBef>
                 <a:spcPts val="1200"/>
               </a:spcBef>
+              <a:buNone/>
             </a:pPr>
             <a:r>
-              <a:rPr lang="en-US" sz="1850" dirty="0">
+              <a:rPr lang="en-US" sz="1900" dirty="0">
                 <a:latin typeface="Consolas" pitchFamily="49" charset="0"/>
                 <a:cs typeface="Consolas" pitchFamily="49" charset="0"/>
               </a:rPr>
               <a:t>private SubprogramDecl       </a:t>
             </a:r>
             <a:r>
-              <a:rPr lang="en-US" sz="1850" dirty="0" err="1">
+              <a:rPr lang="en-US" sz="1900" dirty="0" err="1">
                 <a:latin typeface="Consolas" pitchFamily="49" charset="0"/>
                 <a:cs typeface="Consolas" pitchFamily="49" charset="0"/>
               </a:rPr>
               <a:t>parseSubprogramDecl</a:t>
             </a:r>
             <a:r>
-              <a:rPr lang="en-US" sz="1850" dirty="0">
+              <a:rPr lang="en-US" sz="1900" dirty="0">
                 <a:latin typeface="Consolas" pitchFamily="49" charset="0"/>
                 <a:cs typeface="Consolas" pitchFamily="49" charset="0"/>
               </a:rPr>
@@ -13388,27 +13363,28 @@
             </a:r>
           </a:p>
           <a:p>
-            <a:pPr>
+            <a:pPr marL="182880" indent="0">
               <a:spcBef>
                 <a:spcPts val="1200"/>
               </a:spcBef>
+              <a:buNone/>
             </a:pPr>
             <a:r>
-              <a:rPr lang="en-US" sz="1850" dirty="0">
+              <a:rPr lang="en-US" sz="1900" dirty="0">
                 <a:latin typeface="Consolas" pitchFamily="49" charset="0"/>
                 <a:cs typeface="Consolas" pitchFamily="49" charset="0"/>
               </a:rPr>
               <a:t>private SubprogramDecl       </a:t>
             </a:r>
             <a:r>
-              <a:rPr lang="en-US" sz="1850" dirty="0" err="1">
+              <a:rPr lang="en-US" sz="1900" dirty="0" err="1">
                 <a:latin typeface="Consolas" pitchFamily="49" charset="0"/>
                 <a:cs typeface="Consolas" pitchFamily="49" charset="0"/>
               </a:rPr>
               <a:t>parseProcedureDecl</a:t>
             </a:r>
             <a:r>
-              <a:rPr lang="en-US" sz="1850" dirty="0">
+              <a:rPr lang="en-US" sz="1900" dirty="0">
                 <a:latin typeface="Consolas" pitchFamily="49" charset="0"/>
                 <a:cs typeface="Consolas" pitchFamily="49" charset="0"/>
               </a:rPr>
@@ -13416,27 +13392,28 @@
             </a:r>
           </a:p>
           <a:p>
-            <a:pPr>
+            <a:pPr marL="182880" indent="0">
               <a:spcBef>
                 <a:spcPts val="1200"/>
               </a:spcBef>
+              <a:buNone/>
             </a:pPr>
             <a:r>
-              <a:rPr lang="en-US" sz="1850" dirty="0">
+              <a:rPr lang="en-US" sz="1900" dirty="0">
                 <a:latin typeface="Consolas" pitchFamily="49" charset="0"/>
                 <a:cs typeface="Consolas" pitchFamily="49" charset="0"/>
               </a:rPr>
               <a:t>private SubprogramDecl       </a:t>
             </a:r>
             <a:r>
-              <a:rPr lang="en-US" sz="1850" dirty="0" err="1">
+              <a:rPr lang="en-US" sz="1900" dirty="0" err="1">
                 <a:latin typeface="Consolas" pitchFamily="49" charset="0"/>
                 <a:cs typeface="Consolas" pitchFamily="49" charset="0"/>
               </a:rPr>
               <a:t>parseFunctionDecl</a:t>
             </a:r>
             <a:r>
-              <a:rPr lang="en-US" sz="1850" dirty="0">
+              <a:rPr lang="en-US" sz="1900" dirty="0">
                 <a:latin typeface="Consolas" pitchFamily="49" charset="0"/>
                 <a:cs typeface="Consolas" pitchFamily="49" charset="0"/>
               </a:rPr>
@@ -13444,41 +13421,42 @@
             </a:r>
           </a:p>
           <a:p>
-            <a:pPr>
+            <a:pPr marL="182880" indent="0">
               <a:spcBef>
                 <a:spcPts val="1200"/>
               </a:spcBef>
+              <a:buNone/>
             </a:pPr>
             <a:r>
-              <a:rPr lang="en-US" sz="1850" dirty="0">
+              <a:rPr lang="en-US" sz="1900" dirty="0">
                 <a:latin typeface="Consolas" pitchFamily="49" charset="0"/>
                 <a:cs typeface="Consolas" pitchFamily="49" charset="0"/>
               </a:rPr>
               <a:t>private List&lt;</a:t>
             </a:r>
             <a:r>
-              <a:rPr lang="en-US" sz="1850" dirty="0" err="1">
+              <a:rPr lang="en-US" sz="1900" dirty="0" err="1">
                 <a:latin typeface="Consolas" pitchFamily="49" charset="0"/>
                 <a:cs typeface="Consolas" pitchFamily="49" charset="0"/>
               </a:rPr>
               <a:t>ParameterDecl</a:t>
             </a:r>
             <a:r>
-              <a:rPr lang="en-US" sz="1850" dirty="0">
+              <a:rPr lang="en-US" sz="1900" dirty="0">
                 <a:latin typeface="Consolas" pitchFamily="49" charset="0"/>
                 <a:cs typeface="Consolas" pitchFamily="49" charset="0"/>
               </a:rPr>
               <a:t>&gt;  </a:t>
             </a:r>
             <a:r>
-              <a:rPr lang="en-US" sz="1850" dirty="0" err="1">
+              <a:rPr lang="en-US" sz="1900" dirty="0" err="1">
                 <a:latin typeface="Consolas" pitchFamily="49" charset="0"/>
                 <a:cs typeface="Consolas" pitchFamily="49" charset="0"/>
               </a:rPr>
               <a:t>parseFormalParameters</a:t>
             </a:r>
             <a:r>
-              <a:rPr lang="en-US" sz="1850" dirty="0">
+              <a:rPr lang="en-US" sz="1900" dirty="0">
                 <a:latin typeface="Consolas" pitchFamily="49" charset="0"/>
                 <a:cs typeface="Consolas" pitchFamily="49" charset="0"/>
               </a:rPr>
@@ -13486,41 +13464,42 @@
             </a:r>
           </a:p>
           <a:p>
-            <a:pPr>
+            <a:pPr marL="182880" indent="0">
               <a:spcBef>
                 <a:spcPts val="1200"/>
               </a:spcBef>
+              <a:buNone/>
             </a:pPr>
             <a:r>
-              <a:rPr lang="en-US" sz="1850" dirty="0">
+              <a:rPr lang="en-US" sz="1900" dirty="0">
                 <a:latin typeface="Consolas" pitchFamily="49" charset="0"/>
                 <a:cs typeface="Consolas" pitchFamily="49" charset="0"/>
               </a:rPr>
               <a:t>private </a:t>
             </a:r>
             <a:r>
-              <a:rPr lang="en-US" sz="1850" dirty="0" err="1">
+              <a:rPr lang="en-US" sz="1900" dirty="0" err="1">
                 <a:latin typeface="Consolas" pitchFamily="49" charset="0"/>
                 <a:cs typeface="Consolas" pitchFamily="49" charset="0"/>
               </a:rPr>
               <a:t>ParameterDecl</a:t>
             </a:r>
             <a:r>
-              <a:rPr lang="en-US" sz="1850" dirty="0">
+              <a:rPr lang="en-US" sz="1900" dirty="0">
                 <a:latin typeface="Consolas" pitchFamily="49" charset="0"/>
                 <a:cs typeface="Consolas" pitchFamily="49" charset="0"/>
               </a:rPr>
               <a:t>        </a:t>
             </a:r>
             <a:r>
-              <a:rPr lang="en-US" sz="1850" dirty="0" err="1">
+              <a:rPr lang="en-US" sz="1900" dirty="0" err="1">
                 <a:latin typeface="Consolas" pitchFamily="49" charset="0"/>
                 <a:cs typeface="Consolas" pitchFamily="49" charset="0"/>
               </a:rPr>
               <a:t>parseParameterDecl</a:t>
             </a:r>
             <a:r>
-              <a:rPr lang="en-US" sz="1850" dirty="0">
+              <a:rPr lang="en-US" sz="1900" dirty="0">
                 <a:latin typeface="Consolas" pitchFamily="49" charset="0"/>
                 <a:cs typeface="Consolas" pitchFamily="49" charset="0"/>
               </a:rPr>
@@ -13528,27 +13507,28 @@
             </a:r>
           </a:p>
           <a:p>
-            <a:pPr>
+            <a:pPr marL="182880" indent="0">
               <a:spcBef>
                 <a:spcPts val="1200"/>
               </a:spcBef>
+              <a:buNone/>
             </a:pPr>
             <a:r>
-              <a:rPr lang="en-US" sz="1850" dirty="0">
+              <a:rPr lang="en-US" sz="1900" dirty="0">
                 <a:latin typeface="Consolas" pitchFamily="49" charset="0"/>
                 <a:cs typeface="Consolas" pitchFamily="49" charset="0"/>
               </a:rPr>
               <a:t>private Statement            </a:t>
             </a:r>
             <a:r>
-              <a:rPr lang="en-US" sz="1850" dirty="0" err="1">
+              <a:rPr lang="en-US" sz="1900" dirty="0" err="1">
                 <a:latin typeface="Consolas" pitchFamily="49" charset="0"/>
                 <a:cs typeface="Consolas" pitchFamily="49" charset="0"/>
               </a:rPr>
               <a:t>parseProcedureCallStmt</a:t>
             </a:r>
             <a:r>
-              <a:rPr lang="en-US" sz="1850" dirty="0">
+              <a:rPr lang="en-US" sz="1900" dirty="0">
                 <a:latin typeface="Consolas" pitchFamily="49" charset="0"/>
                 <a:cs typeface="Consolas" pitchFamily="49" charset="0"/>
               </a:rPr>
@@ -13556,40 +13536,41 @@
             </a:r>
           </a:p>
           <a:p>
-            <a:pPr>
+            <a:pPr marL="182880" indent="0">
               <a:spcBef>
                 <a:spcPts val="1200"/>
               </a:spcBef>
+              <a:buNone/>
             </a:pPr>
             <a:r>
-              <a:rPr lang="en-US" sz="1850" dirty="0">
+              <a:rPr lang="en-US" sz="1900" dirty="0">
                 <a:latin typeface="Consolas" pitchFamily="49" charset="0"/>
                 <a:cs typeface="Consolas" pitchFamily="49" charset="0"/>
               </a:rPr>
               <a:t>private List&lt;Expression&gt;     </a:t>
             </a:r>
             <a:r>
-              <a:rPr lang="en-US" sz="1850" dirty="0" err="1">
+              <a:rPr lang="en-US" sz="1900" dirty="0" err="1">
                 <a:latin typeface="Consolas" pitchFamily="49" charset="0"/>
                 <a:cs typeface="Consolas" pitchFamily="49" charset="0"/>
               </a:rPr>
               <a:t>parseExpressions</a:t>
             </a:r>
             <a:r>
-              <a:rPr lang="en-US" sz="1850" dirty="0">
+              <a:rPr lang="en-US" sz="1900" dirty="0">
                 <a:latin typeface="Consolas" pitchFamily="49" charset="0"/>
                 <a:cs typeface="Consolas" pitchFamily="49" charset="0"/>
               </a:rPr>
               <a:t>()</a:t>
             </a:r>
             <a:br>
-              <a:rPr lang="en-US" sz="1850" dirty="0">
+              <a:rPr lang="en-US" sz="1900" dirty="0">
                 <a:latin typeface="Consolas" pitchFamily="49" charset="0"/>
                 <a:cs typeface="Consolas" pitchFamily="49" charset="0"/>
               </a:rPr>
             </a:br>
             <a:r>
-              <a:rPr lang="en-US" sz="1850" dirty="0">
+              <a:rPr lang="en-US" sz="1900" dirty="0">
                 <a:latin typeface="Consolas" pitchFamily="49" charset="0"/>
                 <a:cs typeface="Consolas" pitchFamily="49" charset="0"/>
               </a:rPr>
@@ -13597,27 +13578,28 @@
             </a:r>
           </a:p>
           <a:p>
-            <a:pPr>
+            <a:pPr marL="182880" indent="0">
               <a:spcBef>
                 <a:spcPts val="1200"/>
               </a:spcBef>
+              <a:buNone/>
             </a:pPr>
             <a:r>
-              <a:rPr lang="en-US" sz="1850" dirty="0">
+              <a:rPr lang="en-US" sz="1900" dirty="0">
                 <a:latin typeface="Consolas" pitchFamily="49" charset="0"/>
                 <a:cs typeface="Consolas" pitchFamily="49" charset="0"/>
               </a:rPr>
               <a:t>private Statement            </a:t>
             </a:r>
             <a:r>
-              <a:rPr lang="en-US" sz="1850" dirty="0" err="1">
+              <a:rPr lang="en-US" sz="1900" dirty="0" err="1">
                 <a:latin typeface="Consolas" pitchFamily="49" charset="0"/>
                 <a:cs typeface="Consolas" pitchFamily="49" charset="0"/>
               </a:rPr>
               <a:t>parseReturnStmt</a:t>
             </a:r>
             <a:r>
-              <a:rPr lang="en-US" sz="1850" dirty="0">
+              <a:rPr lang="en-US" sz="1900" dirty="0">
                 <a:latin typeface="Consolas" pitchFamily="49" charset="0"/>
                 <a:cs typeface="Consolas" pitchFamily="49" charset="0"/>
               </a:rPr>
@@ -13625,34 +13607,35 @@
             </a:r>
           </a:p>
           <a:p>
-            <a:pPr>
+            <a:pPr marL="182880" indent="0">
               <a:spcBef>
                 <a:spcPts val="1200"/>
               </a:spcBef>
+              <a:buNone/>
             </a:pPr>
             <a:r>
-              <a:rPr lang="en-US" sz="1850" dirty="0" err="1">
+              <a:rPr lang="en-US" sz="1900" dirty="0" err="1">
                 <a:latin typeface="Consolas" pitchFamily="49" charset="0"/>
                 <a:cs typeface="Consolas" pitchFamily="49" charset="0"/>
               </a:rPr>
               <a:t>privateExpression</a:t>
             </a:r>
             <a:r>
-              <a:rPr lang="en-US" sz="1850" dirty="0">
+              <a:rPr lang="en-US" sz="1900" dirty="0">
                 <a:latin typeface="Consolas" pitchFamily="49" charset="0"/>
                 <a:cs typeface="Consolas" pitchFamily="49" charset="0"/>
               </a:rPr>
               <a:t>            </a:t>
             </a:r>
             <a:r>
-              <a:rPr lang="en-US" sz="1850" dirty="0" err="1">
+              <a:rPr lang="en-US" sz="1900" dirty="0" err="1">
                 <a:latin typeface="Consolas" pitchFamily="49" charset="0"/>
                 <a:cs typeface="Consolas" pitchFamily="49" charset="0"/>
               </a:rPr>
               <a:t>parseFunctionCallExpr</a:t>
             </a:r>
             <a:r>
-              <a:rPr lang="en-US" sz="1850" dirty="0">
+              <a:rPr lang="en-US" sz="1900" dirty="0">
                 <a:latin typeface="Consolas" pitchFamily="49" charset="0"/>
                 <a:cs typeface="Consolas" pitchFamily="49" charset="0"/>
               </a:rPr>
@@ -19935,6 +19918,33 @@
         <p:txBody>
           <a:bodyPr tIns="91440"/>
           <a:lstStyle/>
+          <a:p>
+            <a:pPr marL="274320" indent="0">
+              <a:spcBef>
+                <a:spcPts val="100"/>
+              </a:spcBef>
+              <a:buFontTx/>
+              <a:buNone/>
+            </a:pPr>
+            <a:r>
+              <a:rPr lang="en-US" sz="1800" dirty="0">
+                <a:latin typeface="Consolas" pitchFamily="49" charset="0"/>
+              </a:rPr>
+              <a:t>var x : Integer;</a:t>
+            </a:r>
+          </a:p>
+          <a:p>
+            <a:pPr marL="274320" indent="0">
+              <a:spcBef>
+                <a:spcPts val="100"/>
+              </a:spcBef>
+              <a:buFontTx/>
+              <a:buNone/>
+            </a:pPr>
+            <a:endParaRPr lang="en-US" sz="1800" dirty="0">
+              <a:latin typeface="Consolas" pitchFamily="49" charset="0"/>
+            </a:endParaRPr>
+          </a:p>
           <a:p>
             <a:pPr marL="274320" indent="0">
               <a:spcBef>
@@ -25938,7 +25948,7 @@
                 <a:latin typeface="Consolas" pitchFamily="49" charset="0"/>
                 <a:cs typeface="Consolas" pitchFamily="49" charset="0"/>
               </a:rPr>
-              <a:t>    Expression    expr  = </a:t>
+              <a:t>    var expr  = </a:t>
             </a:r>
             <a:r>
               <a:rPr lang="en-US" sz="1800" dirty="0" err="1">
@@ -25967,35 +25977,7 @@
                 <a:latin typeface="Consolas" pitchFamily="49" charset="0"/>
                 <a:cs typeface="Consolas" pitchFamily="49" charset="0"/>
               </a:rPr>
-              <a:t>    </a:t>
-            </a:r>
-            <a:r>
-              <a:rPr lang="en-US" sz="1800" dirty="0" err="1">
-                <a:latin typeface="Consolas" pitchFamily="49" charset="0"/>
-                <a:cs typeface="Consolas" pitchFamily="49" charset="0"/>
-              </a:rPr>
-              <a:t>ParameterDecl</a:t>
-            </a:r>
-            <a:r>
-              <a:rPr lang="en-US" sz="1800" dirty="0">
-                <a:latin typeface="Consolas" pitchFamily="49" charset="0"/>
-                <a:cs typeface="Consolas" pitchFamily="49" charset="0"/>
-              </a:rPr>
-              <a:t> </a:t>
-            </a:r>
-            <a:r>
-              <a:rPr lang="en-US" sz="1800" dirty="0" err="1">
-                <a:latin typeface="Consolas" pitchFamily="49" charset="0"/>
-                <a:cs typeface="Consolas" pitchFamily="49" charset="0"/>
-              </a:rPr>
-              <a:t>param</a:t>
-            </a:r>
-            <a:r>
-              <a:rPr lang="en-US" sz="1800" dirty="0">
-                <a:latin typeface="Consolas" pitchFamily="49" charset="0"/>
-                <a:cs typeface="Consolas" pitchFamily="49" charset="0"/>
-              </a:rPr>
-              <a:t> = </a:t>
+              <a:t>    var param = </a:t>
             </a:r>
             <a:r>
               <a:rPr lang="en-US" sz="1800" dirty="0" err="1">
@@ -26316,15 +26298,15 @@
         </p:nvSpPr>
         <p:spPr>
           <a:xfrm>
-            <a:off x="458787" y="1363663"/>
-            <a:ext cx="8503920" cy="4935537"/>
+            <a:off x="411480" y="1363663"/>
+            <a:ext cx="8321040" cy="4935537"/>
           </a:xfrm>
         </p:spPr>
         <p:txBody>
           <a:bodyPr tIns="91440"/>
           <a:lstStyle/>
           <a:p>
-            <a:pPr marL="182880" indent="0">
+            <a:pPr marL="0" indent="0">
               <a:spcBef>
                 <a:spcPts val="100"/>
               </a:spcBef>
@@ -26339,7 +26321,7 @@
             </a:r>
           </a:p>
           <a:p>
-            <a:pPr marL="182880" indent="0">
+            <a:pPr marL="0" indent="0">
               <a:spcBef>
                 <a:spcPts val="100"/>
               </a:spcBef>
@@ -26368,7 +26350,7 @@
             </a:r>
           </a:p>
           <a:p>
-            <a:pPr marL="182880" indent="0">
+            <a:pPr marL="0" indent="0">
               <a:spcBef>
                 <a:spcPts val="100"/>
               </a:spcBef>
@@ -26383,7 +26365,7 @@
             </a:r>
           </a:p>
           <a:p>
-            <a:pPr marL="182880" indent="0">
+            <a:pPr marL="0" indent="0">
               <a:spcBef>
                 <a:spcPts val="100"/>
               </a:spcBef>
@@ -26426,7 +26408,7 @@
             </a:r>
           </a:p>
           <a:p>
-            <a:pPr marL="182880" indent="0">
+            <a:pPr marL="0" indent="0">
               <a:spcBef>
                 <a:spcPts val="100"/>
               </a:spcBef>
@@ -26441,7 +26423,7 @@
             </a:r>
           </a:p>
           <a:p>
-            <a:pPr marL="182880" indent="0">
+            <a:pPr marL="0" indent="0">
               <a:spcBef>
                 <a:spcPts val="100"/>
               </a:spcBef>
@@ -26470,7 +26452,7 @@
             </a:r>
           </a:p>
           <a:p>
-            <a:pPr marL="182880" indent="0">
+            <a:pPr marL="0" indent="0">
               <a:spcBef>
                 <a:spcPts val="100"/>
               </a:spcBef>
@@ -26499,7 +26481,7 @@
             </a:r>
           </a:p>
           <a:p>
-            <a:pPr marL="182880" indent="0">
+            <a:pPr marL="0" indent="0">
               <a:spcBef>
                 <a:spcPts val="100"/>
               </a:spcBef>
@@ -26528,7 +26510,7 @@
             </a:r>
           </a:p>
           <a:p>
-            <a:pPr marL="182880" indent="0">
+            <a:pPr marL="0" indent="0">
               <a:spcBef>
                 <a:spcPts val="100"/>
               </a:spcBef>
@@ -26543,7 +26525,7 @@
             </a:r>
           </a:p>
           <a:p>
-            <a:pPr marL="182880" indent="0">
+            <a:pPr marL="0" indent="0">
               <a:spcBef>
                 <a:spcPts val="100"/>
               </a:spcBef>
@@ -26558,7 +26540,7 @@
             </a:r>
           </a:p>
           <a:p>
-            <a:pPr marL="182880" indent="0">
+            <a:pPr marL="0" indent="0">
               <a:spcBef>
                 <a:spcPts val="100"/>
               </a:spcBef>
@@ -26573,7 +26555,7 @@
             </a:r>
           </a:p>
           <a:p>
-            <a:pPr marL="182880" indent="0">
+            <a:pPr marL="0" indent="0">
               <a:spcBef>
                 <a:spcPts val="100"/>
               </a:spcBef>
@@ -26584,7 +26566,7 @@
                 <a:latin typeface="Consolas" pitchFamily="49" charset="0"/>
                 <a:cs typeface="Consolas" pitchFamily="49" charset="0"/>
               </a:rPr>
-              <a:t>        String </a:t>
+              <a:t>        var </a:t>
             </a:r>
             <a:r>
               <a:rPr lang="en-US" sz="1750" dirty="0" err="1">
@@ -26602,7 +26584,7 @@
             </a:r>
           </a:p>
           <a:p>
-            <a:pPr marL="182880" indent="0">
+            <a:pPr marL="0" indent="0">
               <a:spcBef>
                 <a:spcPts val="100"/>
               </a:spcBef>
@@ -26613,11 +26595,11 @@
                 <a:latin typeface="Consolas" pitchFamily="49" charset="0"/>
                 <a:cs typeface="Consolas" pitchFamily="49" charset="0"/>
               </a:rPr>
-              <a:t>                        + "must be a variable.";</a:t>
-            </a:r>
-          </a:p>
-          <a:p>
-            <a:pPr marL="182880" indent="0">
+              <a:t>                     + "must be a variable.";</a:t>
+            </a:r>
+          </a:p>
+          <a:p>
+            <a:pPr marL="0" indent="0">
               <a:spcBef>
                 <a:spcPts val="100"/>
               </a:spcBef>
@@ -26660,7 +26642,7 @@
             </a:r>
           </a:p>
           <a:p>
-            <a:pPr marL="182880" indent="0">
+            <a:pPr marL="0" indent="0">
               <a:spcBef>
                 <a:spcPts val="100"/>
               </a:spcBef>
@@ -26675,7 +26657,7 @@
             </a:r>
           </a:p>
           <a:p>
-            <a:pPr marL="182880" indent="0">
+            <a:pPr marL="0" indent="0">
               <a:spcBef>
                 <a:spcPts val="100"/>
               </a:spcBef>
@@ -26993,7 +26975,7 @@
             </a:r>
             <a:r>
               <a:rPr lang="en-US" dirty="0"/>
-              <a:t> instruction of the subprogram allocates space on the stack for the subprogram’s local variables.</a:t>
+              <a:t> instruction of the called subprogram allocates space on the stack for the subprogram’s local variables.</a:t>
             </a:r>
           </a:p>
         </p:txBody>
@@ -28801,7 +28783,7 @@
           <a:p>
             <a:r>
               <a:rPr lang="en-US" sz="2300" dirty="0"/>
-              <a:t>Use with subprograms is similar to the use of </a:t>
+              <a:t>Its use with subprograms is similar to the use of </a:t>
             </a:r>
             <a:r>
               <a:rPr lang="en-US" sz="2300" dirty="0">
@@ -29159,6 +29141,33 @@
         <p:txBody>
           <a:bodyPr tIns="91440"/>
           <a:lstStyle/>
+          <a:p>
+            <a:pPr marL="274320" indent="0">
+              <a:spcBef>
+                <a:spcPts val="100"/>
+              </a:spcBef>
+              <a:buFontTx/>
+              <a:buNone/>
+            </a:pPr>
+            <a:r>
+              <a:rPr lang="en-US" sz="1800" dirty="0">
+                <a:latin typeface="Consolas" pitchFamily="49" charset="0"/>
+              </a:rPr>
+              <a:t>var x : Integer;</a:t>
+            </a:r>
+          </a:p>
+          <a:p>
+            <a:pPr marL="274320" indent="0">
+              <a:spcBef>
+                <a:spcPts val="100"/>
+              </a:spcBef>
+              <a:buFontTx/>
+              <a:buNone/>
+            </a:pPr>
+            <a:endParaRPr lang="en-US" sz="1800" dirty="0">
+              <a:latin typeface="Consolas" pitchFamily="49" charset="0"/>
+            </a:endParaRPr>
+          </a:p>
           <a:p>
             <a:pPr marL="274320" indent="0">
               <a:spcBef>
@@ -32323,7 +32332,7 @@
           <a:p>
             <a:r>
               <a:rPr lang="en-US" dirty="0"/>
-              <a:t>During code generation, when a variable or variable declaration is referenced in the statement part of a program or subprogram, we need to be able to determine its scope.</a:t>
+              <a:t>During code generation, when a variable or variable expression is referenced in the statement part of a program or subprogram, we need to be able to determine its scope.</a:t>
             </a:r>
           </a:p>
           <a:p>
@@ -36480,14 +36489,14 @@
         <p:spPr>
           <a:xfrm>
             <a:off x="458786" y="1363663"/>
-            <a:ext cx="8456613" cy="4935537"/>
+            <a:ext cx="8229600" cy="4935537"/>
           </a:xfrm>
         </p:spPr>
         <p:txBody>
           <a:bodyPr/>
           <a:lstStyle/>
           <a:p>
-            <a:pPr marL="91440" indent="0">
+            <a:pPr marL="182880" indent="0">
               <a:spcBef>
                 <a:spcPts val="0"/>
               </a:spcBef>
@@ -36499,11 +36508,11 @@
                 <a:latin typeface="Consolas" pitchFamily="49" charset="0"/>
                 <a:cs typeface="Consolas" pitchFamily="49" charset="0"/>
               </a:rPr>
-              <a:t>var x : Integer;       // scope level of declaration is GLOBAL</a:t>
-            </a:r>
-          </a:p>
-          <a:p>
-            <a:pPr marL="91440" indent="0">
+              <a:t>var x : Integer;       // scope level of x is GLOBAL</a:t>
+            </a:r>
+          </a:p>
+          <a:p>
+            <a:pPr marL="182880" indent="0">
               <a:spcBef>
                 <a:spcPts val="0"/>
               </a:spcBef>
@@ -36515,11 +36524,11 @@
                 <a:latin typeface="Consolas" pitchFamily="49" charset="0"/>
                 <a:cs typeface="Consolas" pitchFamily="49" charset="0"/>
               </a:rPr>
-              <a:t>var y : Integer;       // scope level of declaration is GLOBAL</a:t>
-            </a:r>
-          </a:p>
-          <a:p>
-            <a:pPr marL="91440" indent="0">
+              <a:t>var y : Integer;       // scope level of y is GLOBAL</a:t>
+            </a:r>
+          </a:p>
+          <a:p>
+            <a:pPr marL="182880" indent="0">
               <a:spcBef>
                 <a:spcPts val="0"/>
               </a:spcBef>
@@ -36532,7 +36541,7 @@
             </a:endParaRPr>
           </a:p>
           <a:p>
-            <a:pPr marL="91440" indent="0">
+            <a:pPr marL="182880" indent="0">
               <a:spcBef>
                 <a:spcPts val="0"/>
               </a:spcBef>
@@ -36544,11 +36553,11 @@
                 <a:latin typeface="Consolas" pitchFamily="49" charset="0"/>
                 <a:cs typeface="Consolas" pitchFamily="49" charset="0"/>
               </a:rPr>
-              <a:t>proc p()               // scope level of declaration is GLOBAL</a:t>
-            </a:r>
-          </a:p>
-          <a:p>
-            <a:pPr marL="91440" indent="0">
+              <a:t>proc p(n : Integer)    // scope level of p is GLOBAL</a:t>
+            </a:r>
+          </a:p>
+          <a:p>
+            <a:pPr marL="182880" indent="0">
               <a:spcBef>
                 <a:spcPts val="0"/>
               </a:spcBef>
@@ -36560,11 +36569,11 @@
                 <a:latin typeface="Consolas" pitchFamily="49" charset="0"/>
                 <a:cs typeface="Consolas" pitchFamily="49" charset="0"/>
               </a:rPr>
-              <a:t>  {</a:t>
-            </a:r>
-          </a:p>
-          <a:p>
-            <a:pPr marL="91440" indent="0">
+              <a:t>  {                    // scope level of n is LOCAL</a:t>
+            </a:r>
+          </a:p>
+          <a:p>
+            <a:pPr marL="182880" indent="0">
               <a:spcBef>
                 <a:spcPts val="0"/>
               </a:spcBef>
@@ -36576,11 +36585,11 @@
                 <a:latin typeface="Consolas" pitchFamily="49" charset="0"/>
                 <a:cs typeface="Consolas" pitchFamily="49" charset="0"/>
               </a:rPr>
-              <a:t>    var x : Integer;   // scope level of declaration is LOCAL</a:t>
-            </a:r>
-          </a:p>
-          <a:p>
-            <a:pPr marL="91440" indent="0">
+              <a:t>    var x : Integer;   // scope level of x is LOCAL</a:t>
+            </a:r>
+          </a:p>
+          <a:p>
+            <a:pPr marL="182880" indent="0">
               <a:spcBef>
                 <a:spcPts val="0"/>
               </a:spcBef>
@@ -36596,7 +36605,7 @@
             </a:r>
           </a:p>
           <a:p>
-            <a:pPr marL="91440" indent="0">
+            <a:pPr marL="182880" indent="0">
               <a:spcBef>
                 <a:spcPts val="0"/>
               </a:spcBef>
@@ -36612,7 +36621,7 @@
             </a:r>
           </a:p>
           <a:p>
-            <a:pPr marL="91440" indent="0">
+            <a:pPr marL="182880" indent="0">
               <a:spcBef>
                 <a:spcPts val="0"/>
               </a:spcBef>
@@ -36628,7 +36637,7 @@
             </a:r>
           </a:p>
           <a:p>
-            <a:pPr marL="91440" indent="0">
+            <a:pPr marL="182880" indent="0">
               <a:spcBef>
                 <a:spcPts val="0"/>
               </a:spcBef>
@@ -36641,7 +36650,7 @@
             </a:endParaRPr>
           </a:p>
           <a:p>
-            <a:pPr marL="91440" indent="0">
+            <a:pPr marL="182880" indent="0">
               <a:spcBef>
                 <a:spcPts val="0"/>
               </a:spcBef>
@@ -36653,11 +36662,11 @@
                 <a:latin typeface="Consolas" pitchFamily="49" charset="0"/>
                 <a:cs typeface="Consolas" pitchFamily="49" charset="0"/>
               </a:rPr>
-              <a:t>proc main()</a:t>
-            </a:r>
-          </a:p>
-          <a:p>
-            <a:pPr marL="91440" indent="0">
+              <a:t>proc main()            // scope level of main is GLOBAL</a:t>
+            </a:r>
+          </a:p>
+          <a:p>
+            <a:pPr marL="182880" indent="0">
               <a:spcBef>
                 <a:spcPts val="0"/>
               </a:spcBef>
@@ -36673,7 +36682,7 @@
             </a:r>
           </a:p>
           <a:p>
-            <a:pPr marL="91440" indent="0">
+            <a:pPr marL="182880" indent="0">
               <a:spcBef>
                 <a:spcPts val="0"/>
               </a:spcBef>
@@ -36685,11 +36694,11 @@
                 <a:latin typeface="Consolas" pitchFamily="49" charset="0"/>
                 <a:cs typeface="Consolas" pitchFamily="49" charset="0"/>
               </a:rPr>
-              <a:t>    var y : Integer;   // scope level of declaration is LOGAL</a:t>
-            </a:r>
-          </a:p>
-          <a:p>
-            <a:pPr marL="91440" indent="0">
+              <a:t>    var y : Integer;   // scope level of y is LOCAL</a:t>
+            </a:r>
+          </a:p>
+          <a:p>
+            <a:pPr marL="182880" indent="0">
               <a:spcBef>
                 <a:spcPts val="0"/>
               </a:spcBef>
@@ -36705,7 +36714,7 @@
             </a:r>
           </a:p>
           <a:p>
-            <a:pPr marL="91440" indent="0">
+            <a:pPr marL="182880" indent="0">
               <a:spcBef>
                 <a:spcPts val="0"/>
               </a:spcBef>
@@ -36721,7 +36730,7 @@
             </a:r>
           </a:p>
           <a:p>
-            <a:pPr marL="91440" indent="0">
+            <a:pPr marL="182880" indent="0">
               <a:spcBef>
                 <a:spcPts val="0"/>
               </a:spcBef>
@@ -36733,11 +36742,11 @@
                 <a:latin typeface="Consolas" pitchFamily="49" charset="0"/>
                 <a:cs typeface="Consolas" pitchFamily="49" charset="0"/>
               </a:rPr>
-              <a:t>    ... p() ...        // p was declared at GLOBAL scope  </a:t>
-            </a:r>
-          </a:p>
-          <a:p>
-            <a:pPr marL="91440" indent="0">
+              <a:t>    ... p(5) ...       // p was declared at GLOBAL scope  </a:t>
+            </a:r>
+          </a:p>
+          <a:p>
+            <a:pPr marL="182880" indent="0">
               <a:spcBef>
                 <a:spcPts val="0"/>
               </a:spcBef>
@@ -36753,7 +36762,7 @@
             </a:r>
           </a:p>
           <a:p>
-            <a:pPr marL="91440" indent="0">
+            <a:pPr marL="182880" indent="0">
               <a:spcBef>
                 <a:spcPts val="0"/>
               </a:spcBef>

--- a/PowerPoints/13 - Subprograms.pptx
+++ b/PowerPoints/13 - Subprograms.pptx
@@ -10418,7 +10418,11 @@
           <a:p>
             <a:r>
               <a:rPr lang="en-US" dirty="0"/>
-              <a:t>An activation record is a run-time structure for each currently active subprogram.  A new activation record is created every time a subprogram is called.</a:t>
+              <a:t>An activation record is a run-time structure for each currently active subprogram.  </a:t>
+            </a:r>
+            <a:r>
+              <a:rPr lang="en-US" b="1" dirty="0"/>
+              <a:t>A new activation record is created every time a subprogram is called.</a:t>
             </a:r>
           </a:p>
           <a:p>
@@ -10452,7 +10456,23 @@
             <a:pPr lvl="2"/>
             <a:r>
               <a:rPr lang="en-US" dirty="0"/>
-              <a:t>saved values for PC and BP</a:t>
+              <a:t>saved values for </a:t>
+            </a:r>
+            <a:r>
+              <a:rPr lang="en-US" dirty="0">
+                <a:latin typeface="Consolas" panose="020B0609020204030204" pitchFamily="49" charset="0"/>
+              </a:rPr>
+              <a:t>PC</a:t>
+            </a:r>
+            <a:r>
+              <a:rPr lang="en-US" dirty="0"/>
+              <a:t> and </a:t>
+            </a:r>
+            <a:r>
+              <a:rPr lang="en-US" dirty="0">
+                <a:latin typeface="Consolas" panose="020B0609020204030204" pitchFamily="49" charset="0"/>
+              </a:rPr>
+              <a:t>BP</a:t>
             </a:r>
           </a:p>
           <a:p>
@@ -13305,11 +13325,10 @@
           <a:bodyPr/>
           <a:lstStyle/>
           <a:p>
-            <a:pPr marL="182880" indent="0">
+            <a:pPr marL="525780">
               <a:spcBef>
                 <a:spcPts val="1200"/>
               </a:spcBef>
-              <a:buNone/>
             </a:pPr>
             <a:r>
               <a:rPr lang="en-US" sz="1900" dirty="0">
@@ -13334,11 +13353,10 @@
             </a:r>
           </a:p>
           <a:p>
-            <a:pPr marL="182880" indent="0">
+            <a:pPr marL="525780">
               <a:spcBef>
                 <a:spcPts val="1200"/>
               </a:spcBef>
-              <a:buNone/>
             </a:pPr>
             <a:r>
               <a:rPr lang="en-US" sz="1900" dirty="0">
@@ -13363,11 +13381,10 @@
             </a:r>
           </a:p>
           <a:p>
-            <a:pPr marL="182880" indent="0">
+            <a:pPr marL="525780">
               <a:spcBef>
                 <a:spcPts val="1200"/>
               </a:spcBef>
-              <a:buNone/>
             </a:pPr>
             <a:r>
               <a:rPr lang="en-US" sz="1900" dirty="0">
@@ -13392,11 +13409,10 @@
             </a:r>
           </a:p>
           <a:p>
-            <a:pPr marL="182880" indent="0">
+            <a:pPr marL="525780">
               <a:spcBef>
                 <a:spcPts val="1200"/>
               </a:spcBef>
-              <a:buNone/>
             </a:pPr>
             <a:r>
               <a:rPr lang="en-US" sz="1900" dirty="0">
@@ -13421,11 +13437,10 @@
             </a:r>
           </a:p>
           <a:p>
-            <a:pPr marL="182880" indent="0">
+            <a:pPr marL="525780">
               <a:spcBef>
                 <a:spcPts val="1200"/>
               </a:spcBef>
-              <a:buNone/>
             </a:pPr>
             <a:r>
               <a:rPr lang="en-US" sz="1900" dirty="0">
@@ -13464,11 +13479,10 @@
             </a:r>
           </a:p>
           <a:p>
-            <a:pPr marL="182880" indent="0">
+            <a:pPr marL="525780">
               <a:spcBef>
                 <a:spcPts val="1200"/>
               </a:spcBef>
-              <a:buNone/>
             </a:pPr>
             <a:r>
               <a:rPr lang="en-US" sz="1900" dirty="0">
@@ -13507,11 +13521,10 @@
             </a:r>
           </a:p>
           <a:p>
-            <a:pPr marL="182880" indent="0">
+            <a:pPr marL="525780">
               <a:spcBef>
                 <a:spcPts val="1200"/>
               </a:spcBef>
-              <a:buNone/>
             </a:pPr>
             <a:r>
               <a:rPr lang="en-US" sz="1900" dirty="0">
@@ -13536,11 +13549,10 @@
             </a:r>
           </a:p>
           <a:p>
-            <a:pPr marL="182880" indent="0">
+            <a:pPr marL="525780">
               <a:spcBef>
                 <a:spcPts val="1200"/>
               </a:spcBef>
-              <a:buNone/>
             </a:pPr>
             <a:r>
               <a:rPr lang="en-US" sz="1900" dirty="0">
@@ -13578,11 +13590,10 @@
             </a:r>
           </a:p>
           <a:p>
-            <a:pPr marL="182880" indent="0">
+            <a:pPr marL="525780">
               <a:spcBef>
                 <a:spcPts val="1200"/>
               </a:spcBef>
-              <a:buNone/>
             </a:pPr>
             <a:r>
               <a:rPr lang="en-US" sz="1900" dirty="0">
@@ -13607,25 +13618,17 @@
             </a:r>
           </a:p>
           <a:p>
-            <a:pPr marL="182880" indent="0">
+            <a:pPr marL="525780">
               <a:spcBef>
                 <a:spcPts val="1200"/>
               </a:spcBef>
-              <a:buNone/>
             </a:pPr>
-            <a:r>
-              <a:rPr lang="en-US" sz="1900" dirty="0" err="1">
-                <a:latin typeface="Consolas" pitchFamily="49" charset="0"/>
-                <a:cs typeface="Consolas" pitchFamily="49" charset="0"/>
-              </a:rPr>
-              <a:t>privateExpression</a:t>
-            </a:r>
             <a:r>
               <a:rPr lang="en-US" sz="1900" dirty="0">
                 <a:latin typeface="Consolas" pitchFamily="49" charset="0"/>
                 <a:cs typeface="Consolas" pitchFamily="49" charset="0"/>
               </a:rPr>
-              <a:t>            </a:t>
+              <a:t>private Expression           </a:t>
             </a:r>
             <a:r>
               <a:rPr lang="en-US" sz="1900" dirty="0" err="1">
@@ -35868,6 +35871,20 @@
               </a:rPr>
               <a:t>ParameterDecl</a:t>
             </a:r>
+            <a:r>
+              <a:rPr lang="en-US" sz="1800" dirty="0">
+                <a:latin typeface="Consolas" pitchFamily="49" charset="0"/>
+                <a:cs typeface="Consolas" pitchFamily="49" charset="0"/>
+              </a:rPr>
+              <a:t> </a:t>
+            </a:r>
+            <a:r>
+              <a:rPr lang="en-US" sz="1800" dirty="0" err="1">
+                <a:latin typeface="Consolas" pitchFamily="49" charset="0"/>
+                <a:cs typeface="Consolas" pitchFamily="49" charset="0"/>
+              </a:rPr>
+              <a:t>pDecl</a:t>
+            </a:r>
             <a:endParaRPr lang="en-US" sz="1800" dirty="0">
               <a:latin typeface="Consolas" pitchFamily="49" charset="0"/>
               <a:cs typeface="Consolas" pitchFamily="49" charset="0"/>
@@ -35885,42 +35902,14 @@
                 <a:latin typeface="Consolas" pitchFamily="49" charset="0"/>
                 <a:cs typeface="Consolas" pitchFamily="49" charset="0"/>
               </a:rPr>
-              <a:t>        &amp;&amp; ((</a:t>
+              <a:t>        &amp;&amp; </a:t>
             </a:r>
             <a:r>
               <a:rPr lang="en-US" sz="1800" dirty="0" err="1">
                 <a:latin typeface="Consolas" pitchFamily="49" charset="0"/>
                 <a:cs typeface="Consolas" pitchFamily="49" charset="0"/>
               </a:rPr>
-              <a:t>ParameterDecl</a:t>
-            </a:r>
-            <a:r>
-              <a:rPr lang="en-US" sz="1800" dirty="0">
-                <a:latin typeface="Consolas" pitchFamily="49" charset="0"/>
-                <a:cs typeface="Consolas" pitchFamily="49" charset="0"/>
-              </a:rPr>
-              <a:t>)</a:t>
-            </a:r>
-            <a:r>
-              <a:rPr lang="en-US" sz="1800" dirty="0" err="1">
-                <a:latin typeface="Consolas" pitchFamily="49" charset="0"/>
-                <a:cs typeface="Consolas" pitchFamily="49" charset="0"/>
-              </a:rPr>
-              <a:t>decl</a:t>
-            </a:r>
-            <a:r>
-              <a:rPr lang="en-US" sz="1800" dirty="0">
-                <a:latin typeface="Consolas" pitchFamily="49" charset="0"/>
-                <a:cs typeface="Consolas" pitchFamily="49" charset="0"/>
-              </a:rPr>
-              <a:t>).</a:t>
-            </a:r>
-            <a:r>
-              <a:rPr lang="en-US" sz="1800" dirty="0" err="1">
-                <a:latin typeface="Consolas" pitchFamily="49" charset="0"/>
-                <a:cs typeface="Consolas" pitchFamily="49" charset="0"/>
-              </a:rPr>
-              <a:t>isVarParam</a:t>
+              <a:t>pDecl.isVarParam</a:t>
             </a:r>
             <a:r>
               <a:rPr lang="en-US" sz="1800" dirty="0">
@@ -36017,8 +36006,26 @@
                 <a:latin typeface="Consolas" pitchFamily="49" charset="0"/>
                 <a:cs typeface="Consolas" pitchFamily="49" charset="0"/>
               </a:rPr>
-              <a:t>    else if (decl.getScopeLevel() == ScopeLevel.PROGRAM)</a:t>
-            </a:r>
+              <a:t>    else if (decl.getScopeLevel() == </a:t>
+            </a:r>
+            <a:r>
+              <a:rPr lang="en-US" sz="1800" err="1">
+                <a:latin typeface="Consolas" pitchFamily="49" charset="0"/>
+                <a:cs typeface="Consolas" pitchFamily="49" charset="0"/>
+              </a:rPr>
+              <a:t>ScopeLevel</a:t>
+            </a:r>
+            <a:r>
+              <a:rPr lang="en-US" sz="1800">
+                <a:latin typeface="Consolas" pitchFamily="49" charset="0"/>
+                <a:cs typeface="Consolas" pitchFamily="49" charset="0"/>
+              </a:rPr>
+              <a:t>.GLOBAL)</a:t>
+            </a:r>
+            <a:endParaRPr lang="en-US" sz="1800" dirty="0">
+              <a:latin typeface="Consolas" pitchFamily="49" charset="0"/>
+              <a:cs typeface="Consolas" pitchFamily="49" charset="0"/>
+            </a:endParaRPr>
           </a:p>
           <a:p>
             <a:pPr marL="91440" indent="0">

--- a/PowerPoints/13 - Subprograms.pptx
+++ b/PowerPoints/13 - Subprograms.pptx
@@ -1,6 +1,6 @@
 
 <file path=ppt/presentation.xml><?xml version="1.0" encoding="utf-8"?>
-<p:presentation xmlns:a="http://schemas.openxmlformats.org/drawingml/2006/main" xmlns:r="http://schemas.openxmlformats.org/officeDocument/2006/relationships" xmlns:p="http://schemas.openxmlformats.org/presentationml/2006/main" saveSubsetFonts="1">
+<p:presentation xmlns:a="http://schemas.openxmlformats.org/drawingml/2006/main" xmlns:r="http://schemas.openxmlformats.org/officeDocument/2006/relationships" xmlns:p="http://schemas.openxmlformats.org/presentationml/2006/main" saveSubsetFonts="1" autoCompressPictures="0">
   <p:sldMasterIdLst>
     <p:sldMasterId id="2147483651" r:id="rId1"/>
   </p:sldMasterIdLst>
@@ -8573,7 +8573,7 @@
             <a:pPr lvl="1"/>
             <a:r>
               <a:rPr lang="en-US" dirty="0"/>
-              <a:t>Miscellaneous Rule: There should be no </a:t>
+              <a:t>Miscellaneous Rule: Function parameters cannot be declared as </a:t>
             </a:r>
             <a:r>
               <a:rPr lang="en-US" dirty="0">
@@ -8592,7 +8592,7 @@
             </a:pPr>
             <a:r>
               <a:rPr lang="en-US" dirty="0"/>
-              <a:t>(but recall that arrays are always passed by reference)</a:t>
+              <a:t>(However, array parameters are always passed by reference regardless of how they are declared, even for functions.)</a:t>
             </a:r>
           </a:p>
           <a:p>
@@ -9260,7 +9260,7 @@
             </a:pPr>
             <a:r>
               <a:rPr lang="en-US" dirty="0"/>
-              <a:t>Activation records</a:t>
+              <a:t>CVM instructions for subprograms</a:t>
             </a:r>
           </a:p>
           <a:p>
@@ -9271,7 +9271,7 @@
             </a:pPr>
             <a:r>
               <a:rPr lang="en-US" dirty="0"/>
-              <a:t>Variable addressing</a:t>
+              <a:t>Calling conventions; i.e., passing parameters and returning function values</a:t>
             </a:r>
           </a:p>
           <a:p>
@@ -9282,7 +9282,7 @@
             </a:pPr>
             <a:r>
               <a:rPr lang="en-US" dirty="0"/>
-              <a:t>Calling conventions; i.e., passing parameters and returning function values</a:t>
+              <a:t>Activation records</a:t>
             </a:r>
           </a:p>
           <a:p>
@@ -9293,7 +9293,7 @@
             </a:pPr>
             <a:r>
               <a:rPr lang="en-US" dirty="0"/>
-              <a:t>CVM instructions for subprograms</a:t>
+              <a:t>Variable addressing</a:t>
             </a:r>
           </a:p>
         </p:txBody>

--- a/PowerPoints/13 - Subprograms.pptx
+++ b/PowerPoints/13 - Subprograms.pptx
@@ -28380,7 +28380,15 @@
           <a:p>
             <a:r>
               <a:rPr lang="en-US" dirty="0"/>
-              <a:t>Similar to what we did global variables, we need to compute the relative address (offset) for each variable plus the total number of bytes of all variables for each subprogram.</a:t>
+              <a:t>Similar to what </a:t>
+            </a:r>
+            <a:r>
+              <a:rPr lang="en-US"/>
+              <a:t>we did for </a:t>
+            </a:r>
+            <a:r>
+              <a:rPr lang="en-US" dirty="0"/>
+              <a:t>global variables, we need to compute the relative address (offset) for each variable plus the total number of bytes of all variables for each subprogram.</a:t>
             </a:r>
           </a:p>
           <a:p>

--- a/PowerPoints/13 - Subprograms.pptx
+++ b/PowerPoints/13 - Subprograms.pptx
@@ -28380,11 +28380,11 @@
           <a:p>
             <a:r>
               <a:rPr lang="en-US" dirty="0"/>
-              <a:t>Similar to what </a:t>
+              <a:t>Similar to what we </a:t>
             </a:r>
             <a:r>
               <a:rPr lang="en-US"/>
-              <a:t>we did for </a:t>
+              <a:t>did for </a:t>
             </a:r>
             <a:r>
               <a:rPr lang="en-US" dirty="0"/>
@@ -34645,10 +34645,16 @@
           <a:lstStyle/>
           <a:p>
             <a:r>
+              <a:rPr lang="en-US" sz="2250">
+                <a:latin typeface="Consolas" panose="020B0609020204030204" pitchFamily="49" charset="0"/>
+              </a:rPr>
+              <a:t>LDLADDR </a:t>
+            </a:r>
+            <a:r>
               <a:rPr lang="en-US" sz="2250" dirty="0">
                 <a:latin typeface="Consolas" panose="020B0609020204030204" pitchFamily="49" charset="0"/>
               </a:rPr>
-              <a:t>LDDADDR -12</a:t>
+              <a:t>-12</a:t>
             </a:r>
             <a:br>
               <a:rPr lang="en-US" sz="2250" dirty="0">
